--- a/tools-design/操作日志/操作日志设计.pptx
+++ b/tools-design/操作日志/操作日志设计.pptx
@@ -198,7 +198,7 @@
           <a:p>
             <a:fld id="{53C6FB12-671D-644D-9B4F-7D700627C1DD}" type="datetimeFigureOut">
               <a:rPr kumimoji="1" lang="zh-CN" altLang="en-US" smtClean="0"/>
-              <a:t>17/9/3</a:t>
+              <a:t>17/9/4</a:t>
             </a:fld>
             <a:endParaRPr kumimoji="1" lang="zh-CN" altLang="en-US"/>
           </a:p>
@@ -681,7 +681,7 @@
           <a:p>
             <a:fld id="{FFB0026E-4F40-7942-A3C7-BA7D934E5B6D}" type="datetimeFigureOut">
               <a:rPr kumimoji="1" lang="zh-CN" altLang="en-US" smtClean="0"/>
-              <a:t>17/9/3</a:t>
+              <a:t>17/9/4</a:t>
             </a:fld>
             <a:endParaRPr kumimoji="1" lang="zh-CN" altLang="en-US"/>
           </a:p>
@@ -851,7 +851,7 @@
           <a:p>
             <a:fld id="{FFB0026E-4F40-7942-A3C7-BA7D934E5B6D}" type="datetimeFigureOut">
               <a:rPr kumimoji="1" lang="zh-CN" altLang="en-US" smtClean="0"/>
-              <a:t>17/9/3</a:t>
+              <a:t>17/9/4</a:t>
             </a:fld>
             <a:endParaRPr kumimoji="1" lang="zh-CN" altLang="en-US"/>
           </a:p>
@@ -1031,7 +1031,7 @@
           <a:p>
             <a:fld id="{FFB0026E-4F40-7942-A3C7-BA7D934E5B6D}" type="datetimeFigureOut">
               <a:rPr kumimoji="1" lang="zh-CN" altLang="en-US" smtClean="0"/>
-              <a:t>17/9/3</a:t>
+              <a:t>17/9/4</a:t>
             </a:fld>
             <a:endParaRPr kumimoji="1" lang="zh-CN" altLang="en-US"/>
           </a:p>
@@ -1201,7 +1201,7 @@
           <a:p>
             <a:fld id="{FFB0026E-4F40-7942-A3C7-BA7D934E5B6D}" type="datetimeFigureOut">
               <a:rPr kumimoji="1" lang="zh-CN" altLang="en-US" smtClean="0"/>
-              <a:t>17/9/3</a:t>
+              <a:t>17/9/4</a:t>
             </a:fld>
             <a:endParaRPr kumimoji="1" lang="zh-CN" altLang="en-US"/>
           </a:p>
@@ -1447,7 +1447,7 @@
           <a:p>
             <a:fld id="{FFB0026E-4F40-7942-A3C7-BA7D934E5B6D}" type="datetimeFigureOut">
               <a:rPr kumimoji="1" lang="zh-CN" altLang="en-US" smtClean="0"/>
-              <a:t>17/9/3</a:t>
+              <a:t>17/9/4</a:t>
             </a:fld>
             <a:endParaRPr kumimoji="1" lang="zh-CN" altLang="en-US"/>
           </a:p>
@@ -1679,7 +1679,7 @@
           <a:p>
             <a:fld id="{FFB0026E-4F40-7942-A3C7-BA7D934E5B6D}" type="datetimeFigureOut">
               <a:rPr kumimoji="1" lang="zh-CN" altLang="en-US" smtClean="0"/>
-              <a:t>17/9/3</a:t>
+              <a:t>17/9/4</a:t>
             </a:fld>
             <a:endParaRPr kumimoji="1" lang="zh-CN" altLang="en-US"/>
           </a:p>
@@ -2046,7 +2046,7 @@
           <a:p>
             <a:fld id="{FFB0026E-4F40-7942-A3C7-BA7D934E5B6D}" type="datetimeFigureOut">
               <a:rPr kumimoji="1" lang="zh-CN" altLang="en-US" smtClean="0"/>
-              <a:t>17/9/3</a:t>
+              <a:t>17/9/4</a:t>
             </a:fld>
             <a:endParaRPr kumimoji="1" lang="zh-CN" altLang="en-US"/>
           </a:p>
@@ -2164,7 +2164,7 @@
           <a:p>
             <a:fld id="{FFB0026E-4F40-7942-A3C7-BA7D934E5B6D}" type="datetimeFigureOut">
               <a:rPr kumimoji="1" lang="zh-CN" altLang="en-US" smtClean="0"/>
-              <a:t>17/9/3</a:t>
+              <a:t>17/9/4</a:t>
             </a:fld>
             <a:endParaRPr kumimoji="1" lang="zh-CN" altLang="en-US"/>
           </a:p>
@@ -2259,7 +2259,7 @@
           <a:p>
             <a:fld id="{FFB0026E-4F40-7942-A3C7-BA7D934E5B6D}" type="datetimeFigureOut">
               <a:rPr kumimoji="1" lang="zh-CN" altLang="en-US" smtClean="0"/>
-              <a:t>17/9/3</a:t>
+              <a:t>17/9/4</a:t>
             </a:fld>
             <a:endParaRPr kumimoji="1" lang="zh-CN" altLang="en-US"/>
           </a:p>
@@ -2536,7 +2536,7 @@
           <a:p>
             <a:fld id="{FFB0026E-4F40-7942-A3C7-BA7D934E5B6D}" type="datetimeFigureOut">
               <a:rPr kumimoji="1" lang="zh-CN" altLang="en-US" smtClean="0"/>
-              <a:t>17/9/3</a:t>
+              <a:t>17/9/4</a:t>
             </a:fld>
             <a:endParaRPr kumimoji="1" lang="zh-CN" altLang="en-US"/>
           </a:p>
@@ -2789,7 +2789,7 @@
           <a:p>
             <a:fld id="{FFB0026E-4F40-7942-A3C7-BA7D934E5B6D}" type="datetimeFigureOut">
               <a:rPr kumimoji="1" lang="zh-CN" altLang="en-US" smtClean="0"/>
-              <a:t>17/9/3</a:t>
+              <a:t>17/9/4</a:t>
             </a:fld>
             <a:endParaRPr kumimoji="1" lang="zh-CN" altLang="en-US"/>
           </a:p>
@@ -3002,7 +3002,7 @@
           <a:p>
             <a:fld id="{FFB0026E-4F40-7942-A3C7-BA7D934E5B6D}" type="datetimeFigureOut">
               <a:rPr kumimoji="1" lang="zh-CN" altLang="en-US" smtClean="0"/>
-              <a:t>17/9/3</a:t>
+              <a:t>17/9/4</a:t>
             </a:fld>
             <a:endParaRPr kumimoji="1" lang="zh-CN" altLang="en-US"/>
           </a:p>
@@ -5450,7 +5450,7 @@
         </p:nvSpPr>
         <p:spPr>
           <a:xfrm>
-            <a:off x="1561022" y="3358277"/>
+            <a:off x="1578734" y="3368117"/>
             <a:ext cx="1971675" cy="500063"/>
           </a:xfrm>
           <a:prstGeom prst="rect">
@@ -5529,14 +5529,26 @@
           <a:p>
             <a:pPr algn="ctr"/>
             <a:r>
-              <a:rPr kumimoji="1" lang="en-US" altLang="zh-CN" dirty="0" smtClean="0"/>
-              <a:t>Service </a:t>
-            </a:r>
-            <a:r>
-              <a:rPr kumimoji="1" lang="is-IS" altLang="zh-CN" dirty="0" smtClean="0"/>
+              <a:rPr kumimoji="1" lang="en-US" altLang="zh-CN" sz="1200" dirty="0" err="1" smtClean="0"/>
+              <a:t>OperatorLog</a:t>
+            </a:r>
+            <a:r>
+              <a:rPr kumimoji="1" lang="en-US" altLang="zh-CN" sz="1200" dirty="0" err="1" smtClean="0">
+                <a:solidFill>
+                  <a:srgbClr val="FF0000"/>
+                </a:solidFill>
+              </a:rPr>
+              <a:t>Service</a:t>
+            </a:r>
+            <a:r>
+              <a:rPr kumimoji="1" lang="en-US" altLang="zh-CN" sz="1200" dirty="0" smtClean="0"/>
+              <a:t> </a:t>
+            </a:r>
+            <a:r>
+              <a:rPr kumimoji="1" lang="is-IS" altLang="zh-CN" sz="1200" dirty="0" smtClean="0"/>
               <a:t>…</a:t>
             </a:r>
-            <a:endParaRPr kumimoji="1" lang="zh-CN" altLang="en-US" dirty="0"/>
+            <a:endParaRPr kumimoji="1" lang="zh-CN" altLang="en-US" sz="1200" dirty="0"/>
           </a:p>
         </p:txBody>
       </p:sp>
@@ -5583,18 +5595,26 @@
           <a:p>
             <a:pPr algn="ctr"/>
             <a:r>
-              <a:rPr kumimoji="1" lang="en-US" altLang="zh-CN" dirty="0" err="1" smtClean="0"/>
+              <a:rPr kumimoji="1" lang="en-US" altLang="zh-CN" sz="1200" dirty="0" err="1" smtClean="0"/>
+              <a:t>OperatorLog</a:t>
+            </a:r>
+            <a:r>
+              <a:rPr kumimoji="1" lang="en-US" altLang="zh-CN" sz="1200" dirty="0" err="1" smtClean="0">
+                <a:solidFill>
+                  <a:srgbClr val="FF0000"/>
+                </a:solidFill>
+              </a:rPr>
               <a:t>Rservice</a:t>
             </a:r>
             <a:r>
-              <a:rPr kumimoji="1" lang="en-US" altLang="zh-CN" dirty="0" smtClean="0"/>
+              <a:rPr kumimoji="1" lang="en-US" altLang="zh-CN" sz="1200" dirty="0" smtClean="0"/>
               <a:t> </a:t>
             </a:r>
             <a:r>
-              <a:rPr kumimoji="1" lang="is-IS" altLang="zh-CN" dirty="0" smtClean="0"/>
+              <a:rPr kumimoji="1" lang="is-IS" altLang="zh-CN" sz="1200" dirty="0" smtClean="0"/>
               <a:t>…</a:t>
             </a:r>
-            <a:endParaRPr kumimoji="1" lang="zh-CN" altLang="en-US" dirty="0"/>
+            <a:endParaRPr kumimoji="1" lang="zh-CN" altLang="en-US" sz="1200" dirty="0"/>
           </a:p>
         </p:txBody>
       </p:sp>
@@ -6400,37 +6420,7 @@
                 <a:effectLst/>
                 <a:latin typeface="arial" charset="0"/>
               </a:rPr>
-              <a:t>来约定交互</a:t>
-            </a:r>
-            <a:r>
-              <a:rPr lang="zh-CN" altLang="en-US" sz="1200" b="0" i="0" dirty="0" smtClean="0">
-                <a:solidFill>
-                  <a:srgbClr val="000000"/>
-                </a:solidFill>
-                <a:effectLst/>
-                <a:latin typeface="arial" charset="0"/>
-              </a:rPr>
-              <a:t>过程，从而</a:t>
-            </a:r>
-            <a:r>
-              <a:rPr lang="zh-CN" altLang="en-US" sz="1200" b="0" i="0" dirty="0" smtClean="0">
-                <a:solidFill>
-                  <a:srgbClr val="000000"/>
-                </a:solidFill>
-                <a:effectLst/>
-                <a:latin typeface="arial" charset="0"/>
-              </a:rPr>
-              <a:t>实现统一的操作日志采集</a:t>
-            </a:r>
-            <a:r>
-              <a:rPr lang="zh-CN" altLang="en-US" sz="1200" b="0" i="0" dirty="0" smtClean="0">
-                <a:solidFill>
-                  <a:srgbClr val="000000"/>
-                </a:solidFill>
-                <a:effectLst/>
-                <a:latin typeface="arial" charset="0"/>
-              </a:rPr>
-              <a:t>处理。</a:t>
+              <a:t>来约定交互过程，从而实现统一的操作日志采集处理。</a:t>
             </a:r>
             <a:endParaRPr lang="zh-CN" altLang="en-US" sz="1200" dirty="0"/>
           </a:p>
@@ -6602,6 +6592,78 @@
           </a:p>
         </p:txBody>
       </p:sp>
+      <p:cxnSp>
+        <p:nvCxnSpPr>
+          <p:cNvPr id="3" name="直线箭头连接符 2"/>
+          <p:cNvCxnSpPr>
+            <a:stCxn id="6" idx="2"/>
+            <a:endCxn id="7" idx="0"/>
+          </p:cNvCxnSpPr>
+          <p:nvPr/>
+        </p:nvCxnSpPr>
+        <p:spPr>
+          <a:xfrm>
+            <a:off x="2564606" y="4692357"/>
+            <a:ext cx="0" cy="338014"/>
+          </a:xfrm>
+          <a:prstGeom prst="straightConnector1">
+            <a:avLst/>
+          </a:prstGeom>
+          <a:ln>
+            <a:tailEnd type="triangle"/>
+          </a:ln>
+        </p:spPr>
+        <p:style>
+          <a:lnRef idx="1">
+            <a:schemeClr val="accent1"/>
+          </a:lnRef>
+          <a:fillRef idx="0">
+            <a:schemeClr val="accent1"/>
+          </a:fillRef>
+          <a:effectRef idx="0">
+            <a:schemeClr val="accent1"/>
+          </a:effectRef>
+          <a:fontRef idx="minor">
+            <a:schemeClr val="tx1"/>
+          </a:fontRef>
+        </p:style>
+      </p:cxnSp>
+      <p:cxnSp>
+        <p:nvCxnSpPr>
+          <p:cNvPr id="10" name="直线箭头连接符 9"/>
+          <p:cNvCxnSpPr>
+            <a:stCxn id="5" idx="2"/>
+            <a:endCxn id="6" idx="0"/>
+          </p:cNvCxnSpPr>
+          <p:nvPr/>
+        </p:nvCxnSpPr>
+        <p:spPr>
+          <a:xfrm>
+            <a:off x="2564572" y="3868180"/>
+            <a:ext cx="34" cy="324114"/>
+          </a:xfrm>
+          <a:prstGeom prst="straightConnector1">
+            <a:avLst/>
+          </a:prstGeom>
+          <a:ln>
+            <a:tailEnd type="triangle"/>
+          </a:ln>
+        </p:spPr>
+        <p:style>
+          <a:lnRef idx="1">
+            <a:schemeClr val="accent1"/>
+          </a:lnRef>
+          <a:fillRef idx="0">
+            <a:schemeClr val="accent1"/>
+          </a:fillRef>
+          <a:effectRef idx="0">
+            <a:schemeClr val="accent1"/>
+          </a:effectRef>
+          <a:fontRef idx="minor">
+            <a:schemeClr val="tx1"/>
+          </a:fontRef>
+        </p:style>
+      </p:cxnSp>
     </p:spTree>
     <p:extLst>
       <p:ext uri="{BB962C8B-B14F-4D97-AF65-F5344CB8AC3E}">
